--- a/artifacts/demo/Gen AI Based Email Classification and OCR.pptx
+++ b/artifacts/demo/Gen AI Based Email Classification and OCR.pptx
@@ -110,6 +110,11 @@
       </a:defRPr>
     </a:lvl9pPr>
   </p:defaultTextStyle>
+  <p:extLst>
+    <p:ext uri="{EFAFB233-063F-42B5-8137-9DF3F51BA10A}">
+      <p15:sldGuideLst xmlns:p15="http://schemas.microsoft.com/office/powerpoint/2012/main"/>
+    </p:ext>
+  </p:extLst>
 </p:presentation>
 </file>
 
@@ -4238,7 +4243,15 @@
             </a:pPr>
             <a:r>
               <a:rPr lang="en-US" dirty="0"/>
-              <a:t>🔹 Enhance Classification Accuracy: Fine-tune the classification model with    domain-specific data.</a:t>
+              <a:t>🔹 Enhance Classification Accuracy: Fine-tune the classification </a:t>
+            </a:r>
+            <a:r>
+              <a:rPr lang="en-US"/>
+              <a:t>model   with domain-specific </a:t>
+            </a:r>
+            <a:r>
+              <a:rPr lang="en-US" dirty="0"/>
+              <a:t>data.</a:t>
             </a:r>
           </a:p>
           <a:p>
